--- a/presentations/Кузнецов DevOps24-2м - Предиктивная АБД 3.pptx
+++ b/presentations/Кузнецов DevOps24-2м - Предиктивная АБД 3.pptx
@@ -8,7 +8,13 @@
     <p:sldId id="256" r:id="rId2"/>
     <p:sldId id="257" r:id="rId3"/>
     <p:sldId id="258" r:id="rId4"/>
-    <p:sldId id="266" r:id="rId5"/>
+    <p:sldId id="267" r:id="rId5"/>
+    <p:sldId id="268" r:id="rId6"/>
+    <p:sldId id="270" r:id="rId7"/>
+    <p:sldId id="269" r:id="rId8"/>
+    <p:sldId id="271" r:id="rId9"/>
+    <p:sldId id="272" r:id="rId10"/>
+    <p:sldId id="266" r:id="rId11"/>
   </p:sldIdLst>
   <p:sldSz cx="12192000" cy="6858000"/>
   <p:notesSz cx="6858000" cy="9144000"/>
@@ -2803,7 +2809,7 @@
           <a:p>
             <a:fld id="{A0C34509-BB6B-4794-B64D-41A0C042D610}" type="datetimeFigureOut">
               <a:rPr lang="ru-RU" smtClean="0"/>
-              <a:t>21.05.2025</a:t>
+              <a:t>28.05.2025</a:t>
             </a:fld>
             <a:endParaRPr lang="ru-RU"/>
           </a:p>
@@ -3001,7 +3007,7 @@
           <a:p>
             <a:fld id="{A0C34509-BB6B-4794-B64D-41A0C042D610}" type="datetimeFigureOut">
               <a:rPr lang="ru-RU" smtClean="0"/>
-              <a:t>21.05.2025</a:t>
+              <a:t>28.05.2025</a:t>
             </a:fld>
             <a:endParaRPr lang="ru-RU"/>
           </a:p>
@@ -3209,7 +3215,7 @@
           <a:p>
             <a:fld id="{A0C34509-BB6B-4794-B64D-41A0C042D610}" type="datetimeFigureOut">
               <a:rPr lang="ru-RU" smtClean="0"/>
-              <a:t>21.05.2025</a:t>
+              <a:t>28.05.2025</a:t>
             </a:fld>
             <a:endParaRPr lang="ru-RU"/>
           </a:p>
@@ -3407,7 +3413,7 @@
           <a:p>
             <a:fld id="{A0C34509-BB6B-4794-B64D-41A0C042D610}" type="datetimeFigureOut">
               <a:rPr lang="ru-RU" smtClean="0"/>
-              <a:t>21.05.2025</a:t>
+              <a:t>28.05.2025</a:t>
             </a:fld>
             <a:endParaRPr lang="ru-RU"/>
           </a:p>
@@ -3682,7 +3688,7 @@
           <a:p>
             <a:fld id="{A0C34509-BB6B-4794-B64D-41A0C042D610}" type="datetimeFigureOut">
               <a:rPr lang="ru-RU" smtClean="0"/>
-              <a:t>21.05.2025</a:t>
+              <a:t>28.05.2025</a:t>
             </a:fld>
             <a:endParaRPr lang="ru-RU"/>
           </a:p>
@@ -3947,7 +3953,7 @@
           <a:p>
             <a:fld id="{A0C34509-BB6B-4794-B64D-41A0C042D610}" type="datetimeFigureOut">
               <a:rPr lang="ru-RU" smtClean="0"/>
-              <a:t>21.05.2025</a:t>
+              <a:t>28.05.2025</a:t>
             </a:fld>
             <a:endParaRPr lang="ru-RU"/>
           </a:p>
@@ -4359,7 +4365,7 @@
           <a:p>
             <a:fld id="{A0C34509-BB6B-4794-B64D-41A0C042D610}" type="datetimeFigureOut">
               <a:rPr lang="ru-RU" smtClean="0"/>
-              <a:t>21.05.2025</a:t>
+              <a:t>28.05.2025</a:t>
             </a:fld>
             <a:endParaRPr lang="ru-RU"/>
           </a:p>
@@ -4500,7 +4506,7 @@
           <a:p>
             <a:fld id="{A0C34509-BB6B-4794-B64D-41A0C042D610}" type="datetimeFigureOut">
               <a:rPr lang="ru-RU" smtClean="0"/>
-              <a:t>21.05.2025</a:t>
+              <a:t>28.05.2025</a:t>
             </a:fld>
             <a:endParaRPr lang="ru-RU"/>
           </a:p>
@@ -4613,7 +4619,7 @@
           <a:p>
             <a:fld id="{A0C34509-BB6B-4794-B64D-41A0C042D610}" type="datetimeFigureOut">
               <a:rPr lang="ru-RU" smtClean="0"/>
-              <a:t>21.05.2025</a:t>
+              <a:t>28.05.2025</a:t>
             </a:fld>
             <a:endParaRPr lang="ru-RU"/>
           </a:p>
@@ -4924,7 +4930,7 @@
           <a:p>
             <a:fld id="{A0C34509-BB6B-4794-B64D-41A0C042D610}" type="datetimeFigureOut">
               <a:rPr lang="ru-RU" smtClean="0"/>
-              <a:t>21.05.2025</a:t>
+              <a:t>28.05.2025</a:t>
             </a:fld>
             <a:endParaRPr lang="ru-RU"/>
           </a:p>
@@ -5212,7 +5218,7 @@
           <a:p>
             <a:fld id="{A0C34509-BB6B-4794-B64D-41A0C042D610}" type="datetimeFigureOut">
               <a:rPr lang="ru-RU" smtClean="0"/>
-              <a:t>21.05.2025</a:t>
+              <a:t>28.05.2025</a:t>
             </a:fld>
             <a:endParaRPr lang="ru-RU"/>
           </a:p>
@@ -5453,7 +5459,7 @@
           <a:p>
             <a:fld id="{A0C34509-BB6B-4794-B64D-41A0C042D610}" type="datetimeFigureOut">
               <a:rPr lang="ru-RU" smtClean="0"/>
-              <a:t>21.05.2025</a:t>
+              <a:t>28.05.2025</a:t>
             </a:fld>
             <a:endParaRPr lang="ru-RU"/>
           </a:p>
@@ -5939,6 +5945,70 @@
 </p:sld>
 </file>
 
+<file path=ppt/slides/slide10.xml><?xml version="1.0" encoding="utf-8"?>
+<p:sld xmlns:a="http://schemas.openxmlformats.org/drawingml/2006/main" xmlns:r="http://schemas.openxmlformats.org/officeDocument/2006/relationships" xmlns:p="http://schemas.openxmlformats.org/presentationml/2006/main">
+  <p:cSld>
+    <p:spTree>
+      <p:nvGrpSpPr>
+        <p:cNvPr id="1" name=""/>
+        <p:cNvGrpSpPr/>
+        <p:nvPr/>
+      </p:nvGrpSpPr>
+      <p:grpSpPr>
+        <a:xfrm>
+          <a:off x="0" y="0"/>
+          <a:ext cx="0" cy="0"/>
+          <a:chOff x="0" y="0"/>
+          <a:chExt cx="0" cy="0"/>
+        </a:xfrm>
+      </p:grpSpPr>
+      <p:sp>
+        <p:nvSpPr>
+          <p:cNvPr id="2" name="Заголовок 1">
+            <a:extLst>
+              <a:ext uri="{FF2B5EF4-FFF2-40B4-BE49-F238E27FC236}">
+                <a16:creationId xmlns:a16="http://schemas.microsoft.com/office/drawing/2014/main" id="{A9C9D154-29A3-1233-2818-98C0C3290975}"/>
+              </a:ext>
+            </a:extLst>
+          </p:cNvPr>
+          <p:cNvSpPr>
+            <a:spLocks noGrp="1"/>
+          </p:cNvSpPr>
+          <p:nvPr>
+            <p:ph type="title"/>
+          </p:nvPr>
+        </p:nvSpPr>
+        <p:spPr>
+          <a:xfrm>
+            <a:off x="3273792" y="2766218"/>
+            <a:ext cx="5644416" cy="1325563"/>
+          </a:xfrm>
+        </p:spPr>
+        <p:txBody>
+          <a:bodyPr/>
+          <a:lstStyle/>
+          <a:p>
+            <a:pPr algn="ctr"/>
+            <a:r>
+              <a:rPr lang="ru-RU" b="1" dirty="0"/>
+              <a:t>Спасибо за внимание</a:t>
+            </a:r>
+          </a:p>
+        </p:txBody>
+      </p:sp>
+    </p:spTree>
+    <p:extLst>
+      <p:ext uri="{BB962C8B-B14F-4D97-AF65-F5344CB8AC3E}">
+        <p14:creationId xmlns:p14="http://schemas.microsoft.com/office/powerpoint/2010/main" val="3391870252"/>
+      </p:ext>
+    </p:extLst>
+  </p:cSld>
+  <p:clrMapOvr>
+    <a:masterClrMapping/>
+  </p:clrMapOvr>
+</p:sld>
+</file>
+
 <file path=ppt/slides/slide2.xml><?xml version="1.0" encoding="utf-8"?>
 <p:sld xmlns:a="http://schemas.openxmlformats.org/drawingml/2006/main" xmlns:r="http://schemas.openxmlformats.org/officeDocument/2006/relationships" xmlns:p="http://schemas.openxmlformats.org/presentationml/2006/main">
   <p:cSld>
@@ -6117,7 +6187,7 @@
           <a:p>
             <a:r>
               <a:rPr lang="ru-RU" b="1" dirty="0"/>
-              <a:t>Слайд</a:t>
+              <a:t>Сбор данных</a:t>
             </a:r>
           </a:p>
         </p:txBody>
@@ -6138,12 +6208,216 @@
             <p:ph idx="1"/>
           </p:nvPr>
         </p:nvSpPr>
-        <p:spPr/>
+        <p:spPr>
+          <a:xfrm>
+            <a:off x="838200" y="1825625"/>
+            <a:ext cx="4662055" cy="4351338"/>
+          </a:xfrm>
+        </p:spPr>
         <p:txBody>
           <a:bodyPr/>
           <a:lstStyle/>
           <a:p>
-            <a:endParaRPr lang="ru-RU"/>
+            <a:pPr marL="0" indent="0">
+              <a:buNone/>
+            </a:pPr>
+            <a:r>
+              <a:rPr lang="ru-RU" dirty="0"/>
+              <a:t>Использовал</a:t>
+            </a:r>
+            <a:r>
+              <a:rPr lang="en-US" dirty="0"/>
+              <a:t> </a:t>
+            </a:r>
+            <a:r>
+              <a:rPr lang="en-US" dirty="0" err="1"/>
+              <a:t>CianParser</a:t>
+            </a:r>
+            <a:r>
+              <a:rPr lang="ru-RU" dirty="0"/>
+              <a:t> и отфильтровал наиболее подходящие признаки.</a:t>
+            </a:r>
+          </a:p>
+          <a:p>
+            <a:pPr marL="0" indent="0">
+              <a:buNone/>
+            </a:pPr>
+            <a:endParaRPr lang="ru-RU" dirty="0"/>
+          </a:p>
+          <a:p>
+            <a:pPr marL="0" indent="0">
+              <a:buNone/>
+            </a:pPr>
+            <a:r>
+              <a:rPr lang="ru-RU" dirty="0"/>
+              <a:t>Сохранил затем это в </a:t>
+            </a:r>
+            <a:r>
+              <a:rPr lang="en-US" dirty="0"/>
+              <a:t>.csv </a:t>
+            </a:r>
+            <a:r>
+              <a:rPr lang="ru-RU" dirty="0"/>
+              <a:t>файлик, чтобы всегда можно было продолжить работу, не </a:t>
+            </a:r>
+            <a:r>
+              <a:rPr lang="ru-RU" dirty="0" err="1"/>
+              <a:t>парся</a:t>
+            </a:r>
+            <a:r>
+              <a:rPr lang="ru-RU" dirty="0"/>
+              <a:t> заново!</a:t>
+            </a:r>
+          </a:p>
+        </p:txBody>
+      </p:sp>
+      <p:pic>
+        <p:nvPicPr>
+          <p:cNvPr id="4" name="Рисунок 3">
+            <a:extLst>
+              <a:ext uri="{FF2B5EF4-FFF2-40B4-BE49-F238E27FC236}">
+                <a16:creationId xmlns:a16="http://schemas.microsoft.com/office/drawing/2014/main" id="{D2F49E80-B872-2F91-3794-AB4307EA9632}"/>
+              </a:ext>
+            </a:extLst>
+          </p:cNvPr>
+          <p:cNvPicPr>
+            <a:picLocks noChangeAspect="1"/>
+          </p:cNvPicPr>
+          <p:nvPr/>
+        </p:nvPicPr>
+        <p:blipFill>
+          <a:blip r:embed="rId2"/>
+          <a:stretch>
+            <a:fillRect/>
+          </a:stretch>
+        </p:blipFill>
+        <p:spPr>
+          <a:xfrm>
+            <a:off x="6691746" y="158517"/>
+            <a:ext cx="4410691" cy="3334215"/>
+          </a:xfrm>
+          <a:prstGeom prst="rect">
+            <a:avLst/>
+          </a:prstGeom>
+          <a:ln>
+            <a:noFill/>
+          </a:ln>
+          <a:effectLst>
+            <a:outerShdw blurRad="292100" dist="139700" dir="2700000" algn="tl" rotWithShape="0">
+              <a:srgbClr val="333333">
+                <a:alpha val="65000"/>
+              </a:srgbClr>
+            </a:outerShdw>
+          </a:effectLst>
+        </p:spPr>
+      </p:pic>
+      <p:pic>
+        <p:nvPicPr>
+          <p:cNvPr id="13" name="Рисунок 12">
+            <a:extLst>
+              <a:ext uri="{FF2B5EF4-FFF2-40B4-BE49-F238E27FC236}">
+                <a16:creationId xmlns:a16="http://schemas.microsoft.com/office/drawing/2014/main" id="{B72FE657-5600-2A0B-CB21-06D479164441}"/>
+              </a:ext>
+            </a:extLst>
+          </p:cNvPr>
+          <p:cNvPicPr>
+            <a:picLocks noChangeAspect="1"/>
+          </p:cNvPicPr>
+          <p:nvPr/>
+        </p:nvPicPr>
+        <p:blipFill>
+          <a:blip r:embed="rId3"/>
+          <a:stretch>
+            <a:fillRect/>
+          </a:stretch>
+        </p:blipFill>
+        <p:spPr>
+          <a:xfrm>
+            <a:off x="6691747" y="3867464"/>
+            <a:ext cx="4410691" cy="2625411"/>
+          </a:xfrm>
+          <a:prstGeom prst="rect">
+            <a:avLst/>
+          </a:prstGeom>
+          <a:ln>
+            <a:noFill/>
+          </a:ln>
+          <a:effectLst>
+            <a:outerShdw blurRad="292100" dist="139700" dir="2700000" algn="tl" rotWithShape="0">
+              <a:srgbClr val="333333">
+                <a:alpha val="65000"/>
+              </a:srgbClr>
+            </a:outerShdw>
+          </a:effectLst>
+        </p:spPr>
+      </p:pic>
+      <p:sp>
+        <p:nvSpPr>
+          <p:cNvPr id="14" name="TextBox 13">
+            <a:extLst>
+              <a:ext uri="{FF2B5EF4-FFF2-40B4-BE49-F238E27FC236}">
+                <a16:creationId xmlns:a16="http://schemas.microsoft.com/office/drawing/2014/main" id="{BDC8EE6C-E041-2F2C-B82F-04AFF11C876D}"/>
+              </a:ext>
+            </a:extLst>
+          </p:cNvPr>
+          <p:cNvSpPr txBox="1"/>
+          <p:nvPr/>
+        </p:nvSpPr>
+        <p:spPr>
+          <a:xfrm>
+            <a:off x="8398327" y="3498132"/>
+            <a:ext cx="997527" cy="369332"/>
+          </a:xfrm>
+          <a:prstGeom prst="rect">
+            <a:avLst/>
+          </a:prstGeom>
+          <a:noFill/>
+        </p:spPr>
+        <p:txBody>
+          <a:bodyPr wrap="square" rtlCol="0">
+            <a:spAutoFit/>
+          </a:bodyPr>
+          <a:lstStyle/>
+          <a:p>
+            <a:r>
+              <a:rPr lang="ru-RU" dirty="0"/>
+              <a:t>Парсер</a:t>
+            </a:r>
+          </a:p>
+        </p:txBody>
+      </p:sp>
+      <p:sp>
+        <p:nvSpPr>
+          <p:cNvPr id="15" name="TextBox 14">
+            <a:extLst>
+              <a:ext uri="{FF2B5EF4-FFF2-40B4-BE49-F238E27FC236}">
+                <a16:creationId xmlns:a16="http://schemas.microsoft.com/office/drawing/2014/main" id="{E6CCE8B4-F578-ED70-97B6-D4ABA9B1972A}"/>
+              </a:ext>
+            </a:extLst>
+          </p:cNvPr>
+          <p:cNvSpPr txBox="1"/>
+          <p:nvPr/>
+        </p:nvSpPr>
+        <p:spPr>
+          <a:xfrm>
+            <a:off x="7938654" y="6514817"/>
+            <a:ext cx="2216728" cy="369332"/>
+          </a:xfrm>
+          <a:prstGeom prst="rect">
+            <a:avLst/>
+          </a:prstGeom>
+          <a:noFill/>
+        </p:spPr>
+        <p:txBody>
+          <a:bodyPr wrap="square" rtlCol="0">
+            <a:spAutoFit/>
+          </a:bodyPr>
+          <a:lstStyle/>
+          <a:p>
+            <a:r>
+              <a:rPr lang="ru-RU" dirty="0"/>
+              <a:t>Выбор признаков</a:t>
+            </a:r>
           </a:p>
         </p:txBody>
       </p:sp>
@@ -6165,7 +6439,13 @@
   <p:cSld>
     <p:spTree>
       <p:nvGrpSpPr>
-        <p:cNvPr id="1" name=""/>
+        <p:cNvPr id="1" name="">
+          <a:extLst>
+            <a:ext uri="{FF2B5EF4-FFF2-40B4-BE49-F238E27FC236}">
+              <a16:creationId xmlns:a16="http://schemas.microsoft.com/office/drawing/2014/main" id="{4EF5F216-CFAE-1B6B-DADD-4EA48E54BB99}"/>
+            </a:ext>
+          </a:extLst>
+        </p:cNvPr>
         <p:cNvGrpSpPr/>
         <p:nvPr/>
       </p:nvGrpSpPr>
@@ -6182,7 +6462,7 @@
           <p:cNvPr id="2" name="Заголовок 1">
             <a:extLst>
               <a:ext uri="{FF2B5EF4-FFF2-40B4-BE49-F238E27FC236}">
-                <a16:creationId xmlns:a16="http://schemas.microsoft.com/office/drawing/2014/main" id="{A9C9D154-29A3-1233-2818-98C0C3290975}"/>
+                <a16:creationId xmlns:a16="http://schemas.microsoft.com/office/drawing/2014/main" id="{A5D35433-5B6B-ABE5-1D8B-657168612254}"/>
               </a:ext>
             </a:extLst>
           </p:cNvPr>
@@ -6193,28 +6473,1271 @@
             <p:ph type="title"/>
           </p:nvPr>
         </p:nvSpPr>
+        <p:spPr/>
+        <p:txBody>
+          <a:bodyPr/>
+          <a:lstStyle/>
+          <a:p>
+            <a:r>
+              <a:rPr lang="ru-RU" b="1" dirty="0"/>
+              <a:t>Предобработка</a:t>
+            </a:r>
+          </a:p>
+        </p:txBody>
+      </p:sp>
+      <p:sp>
+        <p:nvSpPr>
+          <p:cNvPr id="5" name="Объект 4">
+            <a:extLst>
+              <a:ext uri="{FF2B5EF4-FFF2-40B4-BE49-F238E27FC236}">
+                <a16:creationId xmlns:a16="http://schemas.microsoft.com/office/drawing/2014/main" id="{A98083CA-9D66-7F58-E66F-7A0676602E10}"/>
+              </a:ext>
+            </a:extLst>
+          </p:cNvPr>
+          <p:cNvSpPr>
+            <a:spLocks noGrp="1"/>
+          </p:cNvSpPr>
+          <p:nvPr>
+            <p:ph idx="1"/>
+          </p:nvPr>
+        </p:nvSpPr>
         <p:spPr>
           <a:xfrm>
-            <a:off x="3273792" y="2766218"/>
-            <a:ext cx="5644416" cy="1325563"/>
+            <a:off x="838200" y="1825625"/>
+            <a:ext cx="4011940" cy="4351338"/>
           </a:xfrm>
         </p:spPr>
         <p:txBody>
           <a:bodyPr/>
           <a:lstStyle/>
           <a:p>
-            <a:pPr algn="ctr"/>
-            <a:r>
-              <a:rPr lang="ru-RU" b="1" dirty="0"/>
-              <a:t>Спасибо за внимание</a:t>
-            </a:r>
-          </a:p>
-        </p:txBody>
-      </p:sp>
+            <a:pPr marL="0" indent="0">
+              <a:buNone/>
+            </a:pPr>
+            <a:r>
+              <a:rPr lang="ru-RU" dirty="0"/>
+              <a:t>В основном, ограничился тем, что почистил </a:t>
+            </a:r>
+            <a:r>
+              <a:rPr lang="en-US" dirty="0" err="1"/>
+              <a:t>NaN</a:t>
+            </a:r>
+            <a:r>
+              <a:rPr lang="ru-RU" dirty="0"/>
+              <a:t>-значения, пытаясь сохранить размер итак небольшого датасета.</a:t>
+            </a:r>
+          </a:p>
+        </p:txBody>
+      </p:sp>
+      <p:pic>
+        <p:nvPicPr>
+          <p:cNvPr id="4" name="Рисунок 3">
+            <a:extLst>
+              <a:ext uri="{FF2B5EF4-FFF2-40B4-BE49-F238E27FC236}">
+                <a16:creationId xmlns:a16="http://schemas.microsoft.com/office/drawing/2014/main" id="{974BB8B9-5A34-2FE4-7B4E-21F47CDFDC72}"/>
+              </a:ext>
+            </a:extLst>
+          </p:cNvPr>
+          <p:cNvPicPr>
+            <a:picLocks noChangeAspect="1"/>
+          </p:cNvPicPr>
+          <p:nvPr/>
+        </p:nvPicPr>
+        <p:blipFill>
+          <a:blip r:embed="rId2"/>
+          <a:stretch>
+            <a:fillRect/>
+          </a:stretch>
+        </p:blipFill>
+        <p:spPr>
+          <a:xfrm>
+            <a:off x="5256950" y="2844942"/>
+            <a:ext cx="2276793" cy="2943636"/>
+          </a:xfrm>
+          <a:prstGeom prst="rect">
+            <a:avLst/>
+          </a:prstGeom>
+          <a:ln>
+            <a:noFill/>
+          </a:ln>
+          <a:effectLst>
+            <a:outerShdw blurRad="292100" dist="139700" dir="2700000" algn="tl" rotWithShape="0">
+              <a:srgbClr val="333333">
+                <a:alpha val="65000"/>
+              </a:srgbClr>
+            </a:outerShdw>
+          </a:effectLst>
+        </p:spPr>
+      </p:pic>
+      <p:pic>
+        <p:nvPicPr>
+          <p:cNvPr id="7" name="Рисунок 6">
+            <a:extLst>
+              <a:ext uri="{FF2B5EF4-FFF2-40B4-BE49-F238E27FC236}">
+                <a16:creationId xmlns:a16="http://schemas.microsoft.com/office/drawing/2014/main" id="{45D63D98-9D0A-90C5-FD8B-3AA694E58DE4}"/>
+              </a:ext>
+            </a:extLst>
+          </p:cNvPr>
+          <p:cNvPicPr>
+            <a:picLocks noChangeAspect="1"/>
+          </p:cNvPicPr>
+          <p:nvPr/>
+        </p:nvPicPr>
+        <p:blipFill>
+          <a:blip r:embed="rId3"/>
+          <a:stretch>
+            <a:fillRect/>
+          </a:stretch>
+        </p:blipFill>
+        <p:spPr>
+          <a:xfrm>
+            <a:off x="7940553" y="1825625"/>
+            <a:ext cx="3820058" cy="3962953"/>
+          </a:xfrm>
+          <a:prstGeom prst="rect">
+            <a:avLst/>
+          </a:prstGeom>
+          <a:ln>
+            <a:noFill/>
+          </a:ln>
+          <a:effectLst>
+            <a:outerShdw blurRad="292100" dist="139700" dir="2700000" algn="tl" rotWithShape="0">
+              <a:srgbClr val="333333">
+                <a:alpha val="65000"/>
+              </a:srgbClr>
+            </a:outerShdw>
+          </a:effectLst>
+        </p:spPr>
+      </p:pic>
     </p:spTree>
     <p:extLst>
       <p:ext uri="{BB962C8B-B14F-4D97-AF65-F5344CB8AC3E}">
-        <p14:creationId xmlns:p14="http://schemas.microsoft.com/office/powerpoint/2010/main" val="3391870252"/>
+        <p14:creationId xmlns:p14="http://schemas.microsoft.com/office/powerpoint/2010/main" val="3153926281"/>
+      </p:ext>
+    </p:extLst>
+  </p:cSld>
+  <p:clrMapOvr>
+    <a:masterClrMapping/>
+  </p:clrMapOvr>
+</p:sld>
+</file>
+
+<file path=ppt/slides/slide5.xml><?xml version="1.0" encoding="utf-8"?>
+<p:sld xmlns:a="http://schemas.openxmlformats.org/drawingml/2006/main" xmlns:r="http://schemas.openxmlformats.org/officeDocument/2006/relationships" xmlns:p="http://schemas.openxmlformats.org/presentationml/2006/main">
+  <p:cSld>
+    <p:spTree>
+      <p:nvGrpSpPr>
+        <p:cNvPr id="1" name="">
+          <a:extLst>
+            <a:ext uri="{FF2B5EF4-FFF2-40B4-BE49-F238E27FC236}">
+              <a16:creationId xmlns:a16="http://schemas.microsoft.com/office/drawing/2014/main" id="{A09484C9-A74C-AE68-4AF3-F495A4FA64B2}"/>
+            </a:ext>
+          </a:extLst>
+        </p:cNvPr>
+        <p:cNvGrpSpPr/>
+        <p:nvPr/>
+      </p:nvGrpSpPr>
+      <p:grpSpPr>
+        <a:xfrm>
+          <a:off x="0" y="0"/>
+          <a:ext cx="0" cy="0"/>
+          <a:chOff x="0" y="0"/>
+          <a:chExt cx="0" cy="0"/>
+        </a:xfrm>
+      </p:grpSpPr>
+      <p:sp>
+        <p:nvSpPr>
+          <p:cNvPr id="2" name="Заголовок 1">
+            <a:extLst>
+              <a:ext uri="{FF2B5EF4-FFF2-40B4-BE49-F238E27FC236}">
+                <a16:creationId xmlns:a16="http://schemas.microsoft.com/office/drawing/2014/main" id="{A54CF0FD-9A79-C9DA-3D20-C343E72B8B5C}"/>
+              </a:ext>
+            </a:extLst>
+          </p:cNvPr>
+          <p:cNvSpPr>
+            <a:spLocks noGrp="1"/>
+          </p:cNvSpPr>
+          <p:nvPr>
+            <p:ph type="title"/>
+          </p:nvPr>
+        </p:nvSpPr>
+        <p:spPr/>
+        <p:txBody>
+          <a:bodyPr/>
+          <a:lstStyle/>
+          <a:p>
+            <a:r>
+              <a:rPr lang="ru-RU" b="1" dirty="0"/>
+              <a:t>Гипотезы</a:t>
+            </a:r>
+          </a:p>
+        </p:txBody>
+      </p:sp>
+      <p:sp>
+        <p:nvSpPr>
+          <p:cNvPr id="5" name="Объект 4">
+            <a:extLst>
+              <a:ext uri="{FF2B5EF4-FFF2-40B4-BE49-F238E27FC236}">
+                <a16:creationId xmlns:a16="http://schemas.microsoft.com/office/drawing/2014/main" id="{725381C0-846C-9E16-2AED-BCFB5306DD89}"/>
+              </a:ext>
+            </a:extLst>
+          </p:cNvPr>
+          <p:cNvSpPr>
+            <a:spLocks noGrp="1"/>
+          </p:cNvSpPr>
+          <p:nvPr>
+            <p:ph idx="1"/>
+          </p:nvPr>
+        </p:nvSpPr>
+        <p:spPr>
+          <a:xfrm>
+            <a:off x="838199" y="1825625"/>
+            <a:ext cx="3636819" cy="2872984"/>
+          </a:xfrm>
+        </p:spPr>
+        <p:txBody>
+          <a:bodyPr/>
+          <a:lstStyle/>
+          <a:p>
+            <a:pPr marL="0" indent="0">
+              <a:buNone/>
+            </a:pPr>
+            <a:r>
+              <a:rPr lang="ru-RU" dirty="0"/>
+              <a:t>Выдвинул несколько базовых гипотез и проверил их, смотря на корреляцию и некоторые другие показатели.</a:t>
+            </a:r>
+          </a:p>
+        </p:txBody>
+      </p:sp>
+      <p:pic>
+        <p:nvPicPr>
+          <p:cNvPr id="4" name="Рисунок 3">
+            <a:extLst>
+              <a:ext uri="{FF2B5EF4-FFF2-40B4-BE49-F238E27FC236}">
+                <a16:creationId xmlns:a16="http://schemas.microsoft.com/office/drawing/2014/main" id="{8D59F66B-1459-8562-DD07-72AE35B12D78}"/>
+              </a:ext>
+            </a:extLst>
+          </p:cNvPr>
+          <p:cNvPicPr>
+            <a:picLocks noChangeAspect="1"/>
+          </p:cNvPicPr>
+          <p:nvPr/>
+        </p:nvPicPr>
+        <p:blipFill>
+          <a:blip r:embed="rId2"/>
+          <a:stretch>
+            <a:fillRect/>
+          </a:stretch>
+        </p:blipFill>
+        <p:spPr>
+          <a:xfrm>
+            <a:off x="189442" y="5210175"/>
+            <a:ext cx="5712594" cy="1433512"/>
+          </a:xfrm>
+          <a:prstGeom prst="roundRect">
+            <a:avLst>
+              <a:gd name="adj" fmla="val 8594"/>
+            </a:avLst>
+          </a:prstGeom>
+          <a:solidFill>
+            <a:srgbClr val="FFFFFF">
+              <a:shade val="85000"/>
+            </a:srgbClr>
+          </a:solidFill>
+          <a:ln>
+            <a:noFill/>
+          </a:ln>
+          <a:effectLst>
+            <a:reflection blurRad="12700" stA="38000" endPos="28000" dist="5000" dir="5400000" sy="-100000" algn="bl" rotWithShape="0"/>
+          </a:effectLst>
+        </p:spPr>
+      </p:pic>
+      <p:pic>
+        <p:nvPicPr>
+          <p:cNvPr id="7" name="Рисунок 6">
+            <a:extLst>
+              <a:ext uri="{FF2B5EF4-FFF2-40B4-BE49-F238E27FC236}">
+                <a16:creationId xmlns:a16="http://schemas.microsoft.com/office/drawing/2014/main" id="{FBC67FE0-2857-5E06-2105-C66D77B93C7A}"/>
+              </a:ext>
+            </a:extLst>
+          </p:cNvPr>
+          <p:cNvPicPr>
+            <a:picLocks noChangeAspect="1"/>
+          </p:cNvPicPr>
+          <p:nvPr/>
+        </p:nvPicPr>
+        <p:blipFill>
+          <a:blip r:embed="rId3"/>
+          <a:stretch>
+            <a:fillRect/>
+          </a:stretch>
+        </p:blipFill>
+        <p:spPr>
+          <a:xfrm>
+            <a:off x="6013330" y="0"/>
+            <a:ext cx="6178670" cy="6858000"/>
+          </a:xfrm>
+          <a:prstGeom prst="rect">
+            <a:avLst/>
+          </a:prstGeom>
+        </p:spPr>
+      </p:pic>
+    </p:spTree>
+    <p:extLst>
+      <p:ext uri="{BB962C8B-B14F-4D97-AF65-F5344CB8AC3E}">
+        <p14:creationId xmlns:p14="http://schemas.microsoft.com/office/powerpoint/2010/main" val="2579611283"/>
+      </p:ext>
+    </p:extLst>
+  </p:cSld>
+  <p:clrMapOvr>
+    <a:masterClrMapping/>
+  </p:clrMapOvr>
+</p:sld>
+</file>
+
+<file path=ppt/slides/slide6.xml><?xml version="1.0" encoding="utf-8"?>
+<p:sld xmlns:a="http://schemas.openxmlformats.org/drawingml/2006/main" xmlns:r="http://schemas.openxmlformats.org/officeDocument/2006/relationships" xmlns:p="http://schemas.openxmlformats.org/presentationml/2006/main">
+  <p:cSld>
+    <p:spTree>
+      <p:nvGrpSpPr>
+        <p:cNvPr id="1" name="">
+          <a:extLst>
+            <a:ext uri="{FF2B5EF4-FFF2-40B4-BE49-F238E27FC236}">
+              <a16:creationId xmlns:a16="http://schemas.microsoft.com/office/drawing/2014/main" id="{8FAD4935-A35D-B2AA-1F09-C60291BE0F00}"/>
+            </a:ext>
+          </a:extLst>
+        </p:cNvPr>
+        <p:cNvGrpSpPr/>
+        <p:nvPr/>
+      </p:nvGrpSpPr>
+      <p:grpSpPr>
+        <a:xfrm>
+          <a:off x="0" y="0"/>
+          <a:ext cx="0" cy="0"/>
+          <a:chOff x="0" y="0"/>
+          <a:chExt cx="0" cy="0"/>
+        </a:xfrm>
+      </p:grpSpPr>
+      <p:sp>
+        <p:nvSpPr>
+          <p:cNvPr id="2" name="Заголовок 1">
+            <a:extLst>
+              <a:ext uri="{FF2B5EF4-FFF2-40B4-BE49-F238E27FC236}">
+                <a16:creationId xmlns:a16="http://schemas.microsoft.com/office/drawing/2014/main" id="{453F2AFA-EF8B-7957-59BD-F6EAD75E671B}"/>
+              </a:ext>
+            </a:extLst>
+          </p:cNvPr>
+          <p:cNvSpPr>
+            <a:spLocks noGrp="1"/>
+          </p:cNvSpPr>
+          <p:nvPr>
+            <p:ph type="title"/>
+          </p:nvPr>
+        </p:nvSpPr>
+        <p:spPr/>
+        <p:txBody>
+          <a:bodyPr/>
+          <a:lstStyle/>
+          <a:p>
+            <a:r>
+              <a:rPr lang="ru-RU" b="1" dirty="0"/>
+              <a:t>Гипотезы: обоснование</a:t>
+            </a:r>
+          </a:p>
+        </p:txBody>
+      </p:sp>
+      <p:pic>
+        <p:nvPicPr>
+          <p:cNvPr id="6" name="Рисунок 5">
+            <a:extLst>
+              <a:ext uri="{FF2B5EF4-FFF2-40B4-BE49-F238E27FC236}">
+                <a16:creationId xmlns:a16="http://schemas.microsoft.com/office/drawing/2014/main" id="{14515BD2-D39B-A637-73B8-7D348AAA87B2}"/>
+              </a:ext>
+            </a:extLst>
+          </p:cNvPr>
+          <p:cNvPicPr>
+            <a:picLocks noChangeAspect="1"/>
+          </p:cNvPicPr>
+          <p:nvPr/>
+        </p:nvPicPr>
+        <p:blipFill>
+          <a:blip r:embed="rId2"/>
+          <a:stretch>
+            <a:fillRect/>
+          </a:stretch>
+        </p:blipFill>
+        <p:spPr>
+          <a:xfrm>
+            <a:off x="1548552" y="1458094"/>
+            <a:ext cx="9094895" cy="5275215"/>
+          </a:xfrm>
+          <a:prstGeom prst="roundRect">
+            <a:avLst>
+              <a:gd name="adj" fmla="val 4167"/>
+            </a:avLst>
+          </a:prstGeom>
+          <a:solidFill>
+            <a:srgbClr val="FFFFFF"/>
+          </a:solidFill>
+          <a:ln w="76200" cap="sq">
+            <a:solidFill>
+              <a:srgbClr val="292929"/>
+            </a:solidFill>
+            <a:miter lim="800000"/>
+          </a:ln>
+          <a:effectLst>
+            <a:reflection blurRad="12700" stA="28000" endPos="28000" dist="5000" dir="5400000" sy="-100000" algn="bl" rotWithShape="0"/>
+          </a:effectLst>
+          <a:scene3d>
+            <a:camera prst="orthographicFront"/>
+            <a:lightRig rig="threePt" dir="t">
+              <a:rot lat="0" lon="0" rev="2700000"/>
+            </a:lightRig>
+          </a:scene3d>
+          <a:sp3d>
+            <a:bevelT h="38100"/>
+            <a:contourClr>
+              <a:srgbClr val="C0C0C0"/>
+            </a:contourClr>
+          </a:sp3d>
+        </p:spPr>
+      </p:pic>
+    </p:spTree>
+    <p:extLst>
+      <p:ext uri="{BB962C8B-B14F-4D97-AF65-F5344CB8AC3E}">
+        <p14:creationId xmlns:p14="http://schemas.microsoft.com/office/powerpoint/2010/main" val="816664101"/>
+      </p:ext>
+    </p:extLst>
+  </p:cSld>
+  <p:clrMapOvr>
+    <a:masterClrMapping/>
+  </p:clrMapOvr>
+</p:sld>
+</file>
+
+<file path=ppt/slides/slide7.xml><?xml version="1.0" encoding="utf-8"?>
+<p:sld xmlns:a="http://schemas.openxmlformats.org/drawingml/2006/main" xmlns:r="http://schemas.openxmlformats.org/officeDocument/2006/relationships" xmlns:p="http://schemas.openxmlformats.org/presentationml/2006/main">
+  <p:cSld>
+    <p:spTree>
+      <p:nvGrpSpPr>
+        <p:cNvPr id="1" name="">
+          <a:extLst>
+            <a:ext uri="{FF2B5EF4-FFF2-40B4-BE49-F238E27FC236}">
+              <a16:creationId xmlns:a16="http://schemas.microsoft.com/office/drawing/2014/main" id="{3DFAD4CA-88A7-9647-63DE-A23DCA631CA5}"/>
+            </a:ext>
+          </a:extLst>
+        </p:cNvPr>
+        <p:cNvGrpSpPr/>
+        <p:nvPr/>
+      </p:nvGrpSpPr>
+      <p:grpSpPr>
+        <a:xfrm>
+          <a:off x="0" y="0"/>
+          <a:ext cx="0" cy="0"/>
+          <a:chOff x="0" y="0"/>
+          <a:chExt cx="0" cy="0"/>
+        </a:xfrm>
+      </p:grpSpPr>
+      <p:sp>
+        <p:nvSpPr>
+          <p:cNvPr id="2" name="Заголовок 1">
+            <a:extLst>
+              <a:ext uri="{FF2B5EF4-FFF2-40B4-BE49-F238E27FC236}">
+                <a16:creationId xmlns:a16="http://schemas.microsoft.com/office/drawing/2014/main" id="{6D5A8240-47AD-A068-26FB-6AAE714F6700}"/>
+              </a:ext>
+            </a:extLst>
+          </p:cNvPr>
+          <p:cNvSpPr>
+            <a:spLocks noGrp="1"/>
+          </p:cNvSpPr>
+          <p:nvPr>
+            <p:ph type="title"/>
+          </p:nvPr>
+        </p:nvSpPr>
+        <p:spPr/>
+        <p:txBody>
+          <a:bodyPr/>
+          <a:lstStyle/>
+          <a:p>
+            <a:r>
+              <a:rPr lang="ru-RU" b="1" dirty="0"/>
+              <a:t>Моделирование</a:t>
+            </a:r>
+          </a:p>
+        </p:txBody>
+      </p:sp>
+      <p:pic>
+        <p:nvPicPr>
+          <p:cNvPr id="4" name="Рисунок 3">
+            <a:extLst>
+              <a:ext uri="{FF2B5EF4-FFF2-40B4-BE49-F238E27FC236}">
+                <a16:creationId xmlns:a16="http://schemas.microsoft.com/office/drawing/2014/main" id="{F9CC06C4-FD4E-6F60-173A-AEECC6C07CEA}"/>
+              </a:ext>
+            </a:extLst>
+          </p:cNvPr>
+          <p:cNvPicPr>
+            <a:picLocks noChangeAspect="1"/>
+          </p:cNvPicPr>
+          <p:nvPr/>
+        </p:nvPicPr>
+        <p:blipFill>
+          <a:blip r:embed="rId2"/>
+          <a:stretch>
+            <a:fillRect/>
+          </a:stretch>
+        </p:blipFill>
+        <p:spPr>
+          <a:xfrm>
+            <a:off x="1216152" y="4085831"/>
+            <a:ext cx="5890135" cy="2081290"/>
+          </a:xfrm>
+          <a:prstGeom prst="rect">
+            <a:avLst/>
+          </a:prstGeom>
+          <a:ln>
+            <a:noFill/>
+          </a:ln>
+          <a:effectLst>
+            <a:outerShdw blurRad="292100" dist="139700" dir="2700000" algn="tl" rotWithShape="0">
+              <a:srgbClr val="333333">
+                <a:alpha val="65000"/>
+              </a:srgbClr>
+            </a:outerShdw>
+          </a:effectLst>
+        </p:spPr>
+      </p:pic>
+      <p:pic>
+        <p:nvPicPr>
+          <p:cNvPr id="7" name="Рисунок 6">
+            <a:extLst>
+              <a:ext uri="{FF2B5EF4-FFF2-40B4-BE49-F238E27FC236}">
+                <a16:creationId xmlns:a16="http://schemas.microsoft.com/office/drawing/2014/main" id="{439B0F79-0461-2B75-7122-B02AF79C6786}"/>
+              </a:ext>
+            </a:extLst>
+          </p:cNvPr>
+          <p:cNvPicPr>
+            <a:picLocks noChangeAspect="1"/>
+          </p:cNvPicPr>
+          <p:nvPr/>
+        </p:nvPicPr>
+        <p:blipFill>
+          <a:blip r:embed="rId3"/>
+          <a:stretch>
+            <a:fillRect/>
+          </a:stretch>
+        </p:blipFill>
+        <p:spPr>
+          <a:xfrm>
+            <a:off x="7381365" y="2587720"/>
+            <a:ext cx="4661340" cy="198637"/>
+          </a:xfrm>
+          <a:prstGeom prst="rect">
+            <a:avLst/>
+          </a:prstGeom>
+          <a:ln>
+            <a:noFill/>
+          </a:ln>
+          <a:effectLst>
+            <a:outerShdw blurRad="292100" dist="139700" dir="2700000" algn="tl" rotWithShape="0">
+              <a:srgbClr val="333333">
+                <a:alpha val="65000"/>
+              </a:srgbClr>
+            </a:outerShdw>
+          </a:effectLst>
+        </p:spPr>
+      </p:pic>
+      <p:pic>
+        <p:nvPicPr>
+          <p:cNvPr id="9" name="Рисунок 8">
+            <a:extLst>
+              <a:ext uri="{FF2B5EF4-FFF2-40B4-BE49-F238E27FC236}">
+                <a16:creationId xmlns:a16="http://schemas.microsoft.com/office/drawing/2014/main" id="{FEAE3CE2-7B3B-66A9-B0BE-A1F4790A6E16}"/>
+              </a:ext>
+            </a:extLst>
+          </p:cNvPr>
+          <p:cNvPicPr>
+            <a:picLocks noChangeAspect="1"/>
+          </p:cNvPicPr>
+          <p:nvPr/>
+        </p:nvPicPr>
+        <p:blipFill>
+          <a:blip r:embed="rId4"/>
+          <a:stretch>
+            <a:fillRect/>
+          </a:stretch>
+        </p:blipFill>
+        <p:spPr>
+          <a:xfrm>
+            <a:off x="7821058" y="3280902"/>
+            <a:ext cx="3781953" cy="2257740"/>
+          </a:xfrm>
+          <a:prstGeom prst="rect">
+            <a:avLst/>
+          </a:prstGeom>
+          <a:ln>
+            <a:noFill/>
+          </a:ln>
+          <a:effectLst>
+            <a:outerShdw blurRad="292100" dist="139700" dir="2700000" algn="tl" rotWithShape="0">
+              <a:srgbClr val="333333">
+                <a:alpha val="65000"/>
+              </a:srgbClr>
+            </a:outerShdw>
+          </a:effectLst>
+        </p:spPr>
+      </p:pic>
+      <p:pic>
+        <p:nvPicPr>
+          <p:cNvPr id="11" name="Рисунок 10">
+            <a:extLst>
+              <a:ext uri="{FF2B5EF4-FFF2-40B4-BE49-F238E27FC236}">
+                <a16:creationId xmlns:a16="http://schemas.microsoft.com/office/drawing/2014/main" id="{D7850910-AF35-9A83-35BA-F995AA156D45}"/>
+              </a:ext>
+            </a:extLst>
+          </p:cNvPr>
+          <p:cNvPicPr>
+            <a:picLocks noChangeAspect="1"/>
+          </p:cNvPicPr>
+          <p:nvPr/>
+        </p:nvPicPr>
+        <p:blipFill>
+          <a:blip r:embed="rId5"/>
+          <a:stretch>
+            <a:fillRect/>
+          </a:stretch>
+        </p:blipFill>
+        <p:spPr>
+          <a:xfrm>
+            <a:off x="1216152" y="2579787"/>
+            <a:ext cx="5890136" cy="1212675"/>
+          </a:xfrm>
+          <a:prstGeom prst="rect">
+            <a:avLst/>
+          </a:prstGeom>
+          <a:ln>
+            <a:noFill/>
+          </a:ln>
+          <a:effectLst>
+            <a:outerShdw blurRad="292100" dist="139700" dir="2700000" algn="tl" rotWithShape="0">
+              <a:srgbClr val="333333">
+                <a:alpha val="65000"/>
+              </a:srgbClr>
+            </a:outerShdw>
+          </a:effectLst>
+        </p:spPr>
+      </p:pic>
+      <p:pic>
+        <p:nvPicPr>
+          <p:cNvPr id="13" name="Рисунок 12">
+            <a:extLst>
+              <a:ext uri="{FF2B5EF4-FFF2-40B4-BE49-F238E27FC236}">
+                <a16:creationId xmlns:a16="http://schemas.microsoft.com/office/drawing/2014/main" id="{51B7A456-5E5F-00F0-C0BF-01D879072FF9}"/>
+              </a:ext>
+            </a:extLst>
+          </p:cNvPr>
+          <p:cNvPicPr>
+            <a:picLocks noChangeAspect="1"/>
+          </p:cNvPicPr>
+          <p:nvPr/>
+        </p:nvPicPr>
+        <p:blipFill>
+          <a:blip r:embed="rId6"/>
+          <a:stretch>
+            <a:fillRect/>
+          </a:stretch>
+        </p:blipFill>
+        <p:spPr>
+          <a:xfrm>
+            <a:off x="4448717" y="6394650"/>
+            <a:ext cx="7306695" cy="438211"/>
+          </a:xfrm>
+          <a:prstGeom prst="rect">
+            <a:avLst/>
+          </a:prstGeom>
+          <a:ln>
+            <a:noFill/>
+          </a:ln>
+          <a:effectLst>
+            <a:outerShdw blurRad="292100" dist="139700" dir="2700000" algn="tl" rotWithShape="0">
+              <a:srgbClr val="333333">
+                <a:alpha val="65000"/>
+              </a:srgbClr>
+            </a:outerShdw>
+          </a:effectLst>
+        </p:spPr>
+      </p:pic>
+      <p:pic>
+        <p:nvPicPr>
+          <p:cNvPr id="20" name="Рисунок 19">
+            <a:extLst>
+              <a:ext uri="{FF2B5EF4-FFF2-40B4-BE49-F238E27FC236}">
+                <a16:creationId xmlns:a16="http://schemas.microsoft.com/office/drawing/2014/main" id="{3C800EF6-3A50-EFF0-F4CB-5C26B72C1DC3}"/>
+              </a:ext>
+            </a:extLst>
+          </p:cNvPr>
+          <p:cNvPicPr>
+            <a:picLocks noChangeAspect="1"/>
+          </p:cNvPicPr>
+          <p:nvPr/>
+        </p:nvPicPr>
+        <p:blipFill>
+          <a:blip r:embed="rId7"/>
+          <a:stretch>
+            <a:fillRect/>
+          </a:stretch>
+        </p:blipFill>
+        <p:spPr>
+          <a:xfrm>
+            <a:off x="8254507" y="1964712"/>
+            <a:ext cx="2915057" cy="419158"/>
+          </a:xfrm>
+          <a:prstGeom prst="rect">
+            <a:avLst/>
+          </a:prstGeom>
+          <a:ln>
+            <a:noFill/>
+          </a:ln>
+          <a:effectLst>
+            <a:outerShdw blurRad="292100" dist="139700" dir="2700000" algn="tl" rotWithShape="0">
+              <a:srgbClr val="333333">
+                <a:alpha val="65000"/>
+              </a:srgbClr>
+            </a:outerShdw>
+          </a:effectLst>
+        </p:spPr>
+      </p:pic>
+      <p:cxnSp>
+        <p:nvCxnSpPr>
+          <p:cNvPr id="22" name="Прямая со стрелкой 21">
+            <a:extLst>
+              <a:ext uri="{FF2B5EF4-FFF2-40B4-BE49-F238E27FC236}">
+                <a16:creationId xmlns:a16="http://schemas.microsoft.com/office/drawing/2014/main" id="{D67F56FD-3D30-2533-2EEA-0A954E1FB72F}"/>
+              </a:ext>
+            </a:extLst>
+          </p:cNvPr>
+          <p:cNvCxnSpPr>
+            <a:cxnSpLocks/>
+            <a:stCxn id="20" idx="2"/>
+            <a:endCxn id="7" idx="0"/>
+          </p:cNvCxnSpPr>
+          <p:nvPr/>
+        </p:nvCxnSpPr>
+        <p:spPr>
+          <a:xfrm flipH="1">
+            <a:off x="9712035" y="2383870"/>
+            <a:ext cx="1" cy="203850"/>
+          </a:xfrm>
+          <a:prstGeom prst="straightConnector1">
+            <a:avLst/>
+          </a:prstGeom>
+          <a:ln>
+            <a:tailEnd type="triangle"/>
+          </a:ln>
+        </p:spPr>
+        <p:style>
+          <a:lnRef idx="2">
+            <a:schemeClr val="dk1"/>
+          </a:lnRef>
+          <a:fillRef idx="0">
+            <a:schemeClr val="dk1"/>
+          </a:fillRef>
+          <a:effectRef idx="1">
+            <a:schemeClr val="dk1"/>
+          </a:effectRef>
+          <a:fontRef idx="minor">
+            <a:schemeClr val="tx1"/>
+          </a:fontRef>
+        </p:style>
+      </p:cxnSp>
+      <p:cxnSp>
+        <p:nvCxnSpPr>
+          <p:cNvPr id="29" name="Прямая соединительная линия 28">
+            <a:extLst>
+              <a:ext uri="{FF2B5EF4-FFF2-40B4-BE49-F238E27FC236}">
+                <a16:creationId xmlns:a16="http://schemas.microsoft.com/office/drawing/2014/main" id="{FEDB2A05-C03C-E681-3EAC-A33F87F516B1}"/>
+              </a:ext>
+            </a:extLst>
+          </p:cNvPr>
+          <p:cNvCxnSpPr>
+            <a:cxnSpLocks/>
+            <a:stCxn id="11" idx="3"/>
+          </p:cNvCxnSpPr>
+          <p:nvPr/>
+        </p:nvCxnSpPr>
+        <p:spPr>
+          <a:xfrm>
+            <a:off x="7106288" y="3186125"/>
+            <a:ext cx="714770" cy="556446"/>
+          </a:xfrm>
+          <a:prstGeom prst="line">
+            <a:avLst/>
+          </a:prstGeom>
+        </p:spPr>
+        <p:style>
+          <a:lnRef idx="2">
+            <a:schemeClr val="dk1"/>
+          </a:lnRef>
+          <a:fillRef idx="0">
+            <a:schemeClr val="dk1"/>
+          </a:fillRef>
+          <a:effectRef idx="1">
+            <a:schemeClr val="dk1"/>
+          </a:effectRef>
+          <a:fontRef idx="minor">
+            <a:schemeClr val="tx1"/>
+          </a:fontRef>
+        </p:style>
+      </p:cxnSp>
+      <p:cxnSp>
+        <p:nvCxnSpPr>
+          <p:cNvPr id="31" name="Прямая со стрелкой 30">
+            <a:extLst>
+              <a:ext uri="{FF2B5EF4-FFF2-40B4-BE49-F238E27FC236}">
+                <a16:creationId xmlns:a16="http://schemas.microsoft.com/office/drawing/2014/main" id="{F97CCE8E-CC56-ECEF-2E33-3A3CDB506C10}"/>
+              </a:ext>
+            </a:extLst>
+          </p:cNvPr>
+          <p:cNvCxnSpPr>
+            <a:cxnSpLocks/>
+            <a:stCxn id="9" idx="2"/>
+          </p:cNvCxnSpPr>
+          <p:nvPr/>
+        </p:nvCxnSpPr>
+        <p:spPr>
+          <a:xfrm>
+            <a:off x="9712035" y="5538642"/>
+            <a:ext cx="0" cy="815916"/>
+          </a:xfrm>
+          <a:prstGeom prst="straightConnector1">
+            <a:avLst/>
+          </a:prstGeom>
+          <a:ln>
+            <a:tailEnd type="triangle"/>
+          </a:ln>
+        </p:spPr>
+        <p:style>
+          <a:lnRef idx="2">
+            <a:schemeClr val="dk1"/>
+          </a:lnRef>
+          <a:fillRef idx="0">
+            <a:schemeClr val="dk1"/>
+          </a:fillRef>
+          <a:effectRef idx="1">
+            <a:schemeClr val="dk1"/>
+          </a:effectRef>
+          <a:fontRef idx="minor">
+            <a:schemeClr val="tx1"/>
+          </a:fontRef>
+        </p:style>
+      </p:cxnSp>
+      <p:cxnSp>
+        <p:nvCxnSpPr>
+          <p:cNvPr id="33" name="Соединитель: уступ 32">
+            <a:extLst>
+              <a:ext uri="{FF2B5EF4-FFF2-40B4-BE49-F238E27FC236}">
+                <a16:creationId xmlns:a16="http://schemas.microsoft.com/office/drawing/2014/main" id="{6CB82D2B-8FCF-86AC-2D5E-788B46445B69}"/>
+              </a:ext>
+            </a:extLst>
+          </p:cNvPr>
+          <p:cNvCxnSpPr>
+            <a:endCxn id="20" idx="0"/>
+          </p:cNvCxnSpPr>
+          <p:nvPr/>
+        </p:nvCxnSpPr>
+        <p:spPr>
+          <a:xfrm>
+            <a:off x="5749636" y="1027906"/>
+            <a:ext cx="3962400" cy="936806"/>
+          </a:xfrm>
+          <a:prstGeom prst="bentConnector2">
+            <a:avLst/>
+          </a:prstGeom>
+          <a:ln>
+            <a:tailEnd type="triangle"/>
+          </a:ln>
+        </p:spPr>
+        <p:style>
+          <a:lnRef idx="2">
+            <a:schemeClr val="dk1"/>
+          </a:lnRef>
+          <a:fillRef idx="0">
+            <a:schemeClr val="dk1"/>
+          </a:fillRef>
+          <a:effectRef idx="1">
+            <a:schemeClr val="dk1"/>
+          </a:effectRef>
+          <a:fontRef idx="minor">
+            <a:schemeClr val="tx1"/>
+          </a:fontRef>
+        </p:style>
+      </p:cxnSp>
+      <p:cxnSp>
+        <p:nvCxnSpPr>
+          <p:cNvPr id="47" name="Прямая со стрелкой 46">
+            <a:extLst>
+              <a:ext uri="{FF2B5EF4-FFF2-40B4-BE49-F238E27FC236}">
+                <a16:creationId xmlns:a16="http://schemas.microsoft.com/office/drawing/2014/main" id="{4243855B-E9B2-D4FA-B611-FA31AD52557F}"/>
+              </a:ext>
+            </a:extLst>
+          </p:cNvPr>
+          <p:cNvCxnSpPr>
+            <a:cxnSpLocks/>
+            <a:stCxn id="7" idx="2"/>
+            <a:endCxn id="9" idx="0"/>
+          </p:cNvCxnSpPr>
+          <p:nvPr/>
+        </p:nvCxnSpPr>
+        <p:spPr>
+          <a:xfrm>
+            <a:off x="9712035" y="2786357"/>
+            <a:ext cx="0" cy="494545"/>
+          </a:xfrm>
+          <a:prstGeom prst="straightConnector1">
+            <a:avLst/>
+          </a:prstGeom>
+          <a:ln>
+            <a:tailEnd type="triangle"/>
+          </a:ln>
+        </p:spPr>
+        <p:style>
+          <a:lnRef idx="2">
+            <a:schemeClr val="dk1"/>
+          </a:lnRef>
+          <a:fillRef idx="0">
+            <a:schemeClr val="dk1"/>
+          </a:fillRef>
+          <a:effectRef idx="1">
+            <a:schemeClr val="dk1"/>
+          </a:effectRef>
+          <a:fontRef idx="minor">
+            <a:schemeClr val="tx1"/>
+          </a:fontRef>
+        </p:style>
+      </p:cxnSp>
+      <p:cxnSp>
+        <p:nvCxnSpPr>
+          <p:cNvPr id="55" name="Прямая соединительная линия 54">
+            <a:extLst>
+              <a:ext uri="{FF2B5EF4-FFF2-40B4-BE49-F238E27FC236}">
+                <a16:creationId xmlns:a16="http://schemas.microsoft.com/office/drawing/2014/main" id="{3AEA2AAB-2A82-D284-0C44-4A68E4286E94}"/>
+              </a:ext>
+            </a:extLst>
+          </p:cNvPr>
+          <p:cNvCxnSpPr>
+            <a:cxnSpLocks/>
+            <a:stCxn id="4" idx="3"/>
+          </p:cNvCxnSpPr>
+          <p:nvPr/>
+        </p:nvCxnSpPr>
+        <p:spPr>
+          <a:xfrm flipV="1">
+            <a:off x="7106287" y="4566900"/>
+            <a:ext cx="714771" cy="559576"/>
+          </a:xfrm>
+          <a:prstGeom prst="line">
+            <a:avLst/>
+          </a:prstGeom>
+        </p:spPr>
+        <p:style>
+          <a:lnRef idx="2">
+            <a:schemeClr val="dk1"/>
+          </a:lnRef>
+          <a:fillRef idx="0">
+            <a:schemeClr val="dk1"/>
+          </a:fillRef>
+          <a:effectRef idx="1">
+            <a:schemeClr val="dk1"/>
+          </a:effectRef>
+          <a:fontRef idx="minor">
+            <a:schemeClr val="tx1"/>
+          </a:fontRef>
+        </p:style>
+      </p:cxnSp>
+    </p:spTree>
+    <p:extLst>
+      <p:ext uri="{BB962C8B-B14F-4D97-AF65-F5344CB8AC3E}">
+        <p14:creationId xmlns:p14="http://schemas.microsoft.com/office/powerpoint/2010/main" val="2659136233"/>
+      </p:ext>
+    </p:extLst>
+  </p:cSld>
+  <p:clrMapOvr>
+    <a:masterClrMapping/>
+  </p:clrMapOvr>
+</p:sld>
+</file>
+
+<file path=ppt/slides/slide8.xml><?xml version="1.0" encoding="utf-8"?>
+<p:sld xmlns:a="http://schemas.openxmlformats.org/drawingml/2006/main" xmlns:r="http://schemas.openxmlformats.org/officeDocument/2006/relationships" xmlns:p="http://schemas.openxmlformats.org/presentationml/2006/main">
+  <p:cSld>
+    <p:spTree>
+      <p:nvGrpSpPr>
+        <p:cNvPr id="1" name="">
+          <a:extLst>
+            <a:ext uri="{FF2B5EF4-FFF2-40B4-BE49-F238E27FC236}">
+              <a16:creationId xmlns:a16="http://schemas.microsoft.com/office/drawing/2014/main" id="{A82A0A79-6A56-61AB-F75F-567213359012}"/>
+            </a:ext>
+          </a:extLst>
+        </p:cNvPr>
+        <p:cNvGrpSpPr/>
+        <p:nvPr/>
+      </p:nvGrpSpPr>
+      <p:grpSpPr>
+        <a:xfrm>
+          <a:off x="0" y="0"/>
+          <a:ext cx="0" cy="0"/>
+          <a:chOff x="0" y="0"/>
+          <a:chExt cx="0" cy="0"/>
+        </a:xfrm>
+      </p:grpSpPr>
+      <p:sp>
+        <p:nvSpPr>
+          <p:cNvPr id="2" name="Заголовок 1">
+            <a:extLst>
+              <a:ext uri="{FF2B5EF4-FFF2-40B4-BE49-F238E27FC236}">
+                <a16:creationId xmlns:a16="http://schemas.microsoft.com/office/drawing/2014/main" id="{2980FDDC-68DB-8CBF-F83B-E669F84D3AC9}"/>
+              </a:ext>
+            </a:extLst>
+          </p:cNvPr>
+          <p:cNvSpPr>
+            <a:spLocks noGrp="1"/>
+          </p:cNvSpPr>
+          <p:nvPr>
+            <p:ph type="title"/>
+          </p:nvPr>
+        </p:nvSpPr>
+        <p:spPr/>
+        <p:txBody>
+          <a:bodyPr/>
+          <a:lstStyle/>
+          <a:p>
+            <a:r>
+              <a:rPr lang="ru-RU" b="1" dirty="0"/>
+              <a:t>Рекомендации</a:t>
+            </a:r>
+          </a:p>
+        </p:txBody>
+      </p:sp>
+      <p:sp>
+        <p:nvSpPr>
+          <p:cNvPr id="5" name="Объект 4">
+            <a:extLst>
+              <a:ext uri="{FF2B5EF4-FFF2-40B4-BE49-F238E27FC236}">
+                <a16:creationId xmlns:a16="http://schemas.microsoft.com/office/drawing/2014/main" id="{37B0E5A1-6F26-22A2-9887-71B1C926A70F}"/>
+              </a:ext>
+            </a:extLst>
+          </p:cNvPr>
+          <p:cNvSpPr>
+            <a:spLocks noGrp="1"/>
+          </p:cNvSpPr>
+          <p:nvPr>
+            <p:ph idx="1"/>
+          </p:nvPr>
+        </p:nvSpPr>
+        <p:spPr>
+          <a:xfrm>
+            <a:off x="838199" y="1825625"/>
+            <a:ext cx="10065327" cy="1200352"/>
+          </a:xfrm>
+        </p:spPr>
+        <p:txBody>
+          <a:bodyPr/>
+          <a:lstStyle/>
+          <a:p>
+            <a:pPr marL="0" indent="0">
+              <a:buNone/>
+            </a:pPr>
+            <a:r>
+              <a:rPr lang="ru-RU" dirty="0"/>
+              <a:t>На основе датасета, анализа гипотез и результатов моделирования, предоставил несколько рекомендаций.</a:t>
+            </a:r>
+          </a:p>
+        </p:txBody>
+      </p:sp>
+      <p:pic>
+        <p:nvPicPr>
+          <p:cNvPr id="4" name="Рисунок 3">
+            <a:extLst>
+              <a:ext uri="{FF2B5EF4-FFF2-40B4-BE49-F238E27FC236}">
+                <a16:creationId xmlns:a16="http://schemas.microsoft.com/office/drawing/2014/main" id="{6FA3307B-0FB6-89EE-62C6-773A19A55387}"/>
+              </a:ext>
+            </a:extLst>
+          </p:cNvPr>
+          <p:cNvPicPr>
+            <a:picLocks noChangeAspect="1"/>
+          </p:cNvPicPr>
+          <p:nvPr/>
+        </p:nvPicPr>
+        <p:blipFill>
+          <a:blip r:embed="rId2"/>
+          <a:stretch>
+            <a:fillRect/>
+          </a:stretch>
+        </p:blipFill>
+        <p:spPr>
+          <a:xfrm>
+            <a:off x="242454" y="2813262"/>
+            <a:ext cx="11707091" cy="3679613"/>
+          </a:xfrm>
+          <a:prstGeom prst="roundRect">
+            <a:avLst>
+              <a:gd name="adj" fmla="val 8594"/>
+            </a:avLst>
+          </a:prstGeom>
+          <a:solidFill>
+            <a:srgbClr val="FFFFFF">
+              <a:shade val="85000"/>
+            </a:srgbClr>
+          </a:solidFill>
+          <a:ln>
+            <a:noFill/>
+          </a:ln>
+          <a:effectLst>
+            <a:reflection blurRad="12700" stA="38000" endPos="28000" dist="5000" dir="5400000" sy="-100000" algn="bl" rotWithShape="0"/>
+          </a:effectLst>
+        </p:spPr>
+      </p:pic>
+    </p:spTree>
+    <p:extLst>
+      <p:ext uri="{BB962C8B-B14F-4D97-AF65-F5344CB8AC3E}">
+        <p14:creationId xmlns:p14="http://schemas.microsoft.com/office/powerpoint/2010/main" val="301747711"/>
+      </p:ext>
+    </p:extLst>
+  </p:cSld>
+  <p:clrMapOvr>
+    <a:masterClrMapping/>
+  </p:clrMapOvr>
+</p:sld>
+</file>
+
+<file path=ppt/slides/slide9.xml><?xml version="1.0" encoding="utf-8"?>
+<p:sld xmlns:a="http://schemas.openxmlformats.org/drawingml/2006/main" xmlns:r="http://schemas.openxmlformats.org/officeDocument/2006/relationships" xmlns:p="http://schemas.openxmlformats.org/presentationml/2006/main">
+  <p:cSld>
+    <p:spTree>
+      <p:nvGrpSpPr>
+        <p:cNvPr id="1" name="">
+          <a:extLst>
+            <a:ext uri="{FF2B5EF4-FFF2-40B4-BE49-F238E27FC236}">
+              <a16:creationId xmlns:a16="http://schemas.microsoft.com/office/drawing/2014/main" id="{D87A8F84-C7A6-A30A-F8FE-1357CB778971}"/>
+            </a:ext>
+          </a:extLst>
+        </p:cNvPr>
+        <p:cNvGrpSpPr/>
+        <p:nvPr/>
+      </p:nvGrpSpPr>
+      <p:grpSpPr>
+        <a:xfrm>
+          <a:off x="0" y="0"/>
+          <a:ext cx="0" cy="0"/>
+          <a:chOff x="0" y="0"/>
+          <a:chExt cx="0" cy="0"/>
+        </a:xfrm>
+      </p:grpSpPr>
+      <p:sp>
+        <p:nvSpPr>
+          <p:cNvPr id="2" name="Заголовок 1">
+            <a:extLst>
+              <a:ext uri="{FF2B5EF4-FFF2-40B4-BE49-F238E27FC236}">
+                <a16:creationId xmlns:a16="http://schemas.microsoft.com/office/drawing/2014/main" id="{3DEA9275-0F67-B40D-BDEB-5B1052DB025F}"/>
+              </a:ext>
+            </a:extLst>
+          </p:cNvPr>
+          <p:cNvSpPr>
+            <a:spLocks noGrp="1"/>
+          </p:cNvSpPr>
+          <p:nvPr>
+            <p:ph type="title"/>
+          </p:nvPr>
+        </p:nvSpPr>
+        <p:spPr/>
+        <p:txBody>
+          <a:bodyPr/>
+          <a:lstStyle/>
+          <a:p>
+            <a:r>
+              <a:rPr lang="ru-RU" b="1" dirty="0"/>
+              <a:t>Выводы</a:t>
+            </a:r>
+          </a:p>
+        </p:txBody>
+      </p:sp>
+      <p:sp>
+        <p:nvSpPr>
+          <p:cNvPr id="5" name="Объект 4">
+            <a:extLst>
+              <a:ext uri="{FF2B5EF4-FFF2-40B4-BE49-F238E27FC236}">
+                <a16:creationId xmlns:a16="http://schemas.microsoft.com/office/drawing/2014/main" id="{AFF537B4-0747-26E9-8881-47FB93BE3AA6}"/>
+              </a:ext>
+            </a:extLst>
+          </p:cNvPr>
+          <p:cNvSpPr>
+            <a:spLocks noGrp="1"/>
+          </p:cNvSpPr>
+          <p:nvPr>
+            <p:ph idx="1"/>
+          </p:nvPr>
+        </p:nvSpPr>
+        <p:spPr/>
+        <p:txBody>
+          <a:bodyPr>
+            <a:normAutofit fontScale="92500" lnSpcReduction="10000"/>
+          </a:bodyPr>
+          <a:lstStyle/>
+          <a:p>
+            <a:r>
+              <a:rPr lang="ru-RU" dirty="0"/>
+              <a:t>собраны и подготовлены данные по стоимости недвижимости в выбранном регионе</a:t>
+            </a:r>
+            <a:r>
+              <a:rPr lang="en-US" dirty="0"/>
+              <a:t>;</a:t>
+            </a:r>
+            <a:endParaRPr lang="ru-RU" dirty="0"/>
+          </a:p>
+          <a:p>
+            <a:r>
+              <a:rPr lang="ru-RU" dirty="0"/>
+              <a:t>выбраны и проанализированы ключевые признаки, влияющие на цену различных типов недвижимости</a:t>
+            </a:r>
+            <a:r>
+              <a:rPr lang="en-US" dirty="0"/>
+              <a:t>;</a:t>
+            </a:r>
+            <a:endParaRPr lang="ru-RU" dirty="0"/>
+          </a:p>
+          <a:p>
+            <a:r>
+              <a:rPr lang="ru-RU" dirty="0"/>
+              <a:t>сформулированы и проверены гипотезы о влиянии признаков на стоимость объектов</a:t>
+            </a:r>
+            <a:r>
+              <a:rPr lang="en-US" dirty="0"/>
+              <a:t>;</a:t>
+            </a:r>
+            <a:endParaRPr lang="ru-RU" dirty="0"/>
+          </a:p>
+          <a:p>
+            <a:r>
+              <a:rPr lang="ru-RU" dirty="0"/>
+              <a:t>построены и обучены модели прогнозирования стоимости недвижимости с использованием разных алгоритмов, проведено сравнение их эффективности</a:t>
+            </a:r>
+            <a:r>
+              <a:rPr lang="en-US" dirty="0"/>
+              <a:t>;</a:t>
+            </a:r>
+            <a:endParaRPr lang="ru-RU" dirty="0"/>
+          </a:p>
+          <a:p>
+            <a:r>
+              <a:rPr lang="ru-RU" dirty="0"/>
+              <a:t>разработаны практические рекомендации для покупателей и продавцов, основанные на результатах анализа и моделирования.</a:t>
+            </a:r>
+          </a:p>
+        </p:txBody>
+      </p:sp>
+    </p:spTree>
+    <p:extLst>
+      <p:ext uri="{BB962C8B-B14F-4D97-AF65-F5344CB8AC3E}">
+        <p14:creationId xmlns:p14="http://schemas.microsoft.com/office/powerpoint/2010/main" val="3549784465"/>
       </p:ext>
     </p:extLst>
   </p:cSld>

--- a/presentations/Кузнецов DevOps24-2м - Предиктивная АБД 3.pptx
+++ b/presentations/Кузнецов DevOps24-2м - Предиктивная АБД 3.pptx
@@ -6988,7 +6988,7 @@
         </p:blipFill>
         <p:spPr>
           <a:xfrm>
-            <a:off x="1216152" y="4085831"/>
+            <a:off x="1216153" y="3534127"/>
             <a:ext cx="5890135" cy="2081290"/>
           </a:xfrm>
           <a:prstGeom prst="rect">
@@ -7108,7 +7108,7 @@
         </p:blipFill>
         <p:spPr>
           <a:xfrm>
-            <a:off x="1216152" y="2579787"/>
+            <a:off x="1216152" y="1975193"/>
             <a:ext cx="5890136" cy="1212675"/>
           </a:xfrm>
           <a:prstGeom prst="rect">
@@ -7148,8 +7148,8 @@
         </p:blipFill>
         <p:spPr>
           <a:xfrm>
-            <a:off x="4448717" y="6394650"/>
-            <a:ext cx="7306695" cy="438211"/>
+            <a:off x="5633995" y="6354558"/>
+            <a:ext cx="6005776" cy="360190"/>
           </a:xfrm>
           <a:prstGeom prst="rect">
             <a:avLst/>
@@ -7266,8 +7266,8 @@
         </p:nvCxnSpPr>
         <p:spPr>
           <a:xfrm>
-            <a:off x="7106288" y="3186125"/>
-            <a:ext cx="714770" cy="556446"/>
+            <a:off x="7106288" y="2581531"/>
+            <a:ext cx="714770" cy="1385570"/>
           </a:xfrm>
           <a:prstGeom prst="line">
             <a:avLst/>
@@ -7426,17 +7426,102 @@
           <p:cNvCxnSpPr>
             <a:cxnSpLocks/>
             <a:stCxn id="4" idx="3"/>
+            <a:endCxn id="9" idx="1"/>
           </p:cNvCxnSpPr>
           <p:nvPr/>
         </p:nvCxnSpPr>
         <p:spPr>
           <a:xfrm flipV="1">
-            <a:off x="7106287" y="4566900"/>
-            <a:ext cx="714771" cy="559576"/>
+            <a:off x="7106288" y="4409772"/>
+            <a:ext cx="714770" cy="165000"/>
           </a:xfrm>
           <a:prstGeom prst="line">
             <a:avLst/>
           </a:prstGeom>
+        </p:spPr>
+        <p:style>
+          <a:lnRef idx="2">
+            <a:schemeClr val="dk1"/>
+          </a:lnRef>
+          <a:fillRef idx="0">
+            <a:schemeClr val="dk1"/>
+          </a:fillRef>
+          <a:effectRef idx="1">
+            <a:schemeClr val="dk1"/>
+          </a:effectRef>
+          <a:fontRef idx="minor">
+            <a:schemeClr val="tx1"/>
+          </a:fontRef>
+        </p:style>
+      </p:cxnSp>
+      <p:pic>
+        <p:nvPicPr>
+          <p:cNvPr id="5" name="Рисунок 4">
+            <a:extLst>
+              <a:ext uri="{FF2B5EF4-FFF2-40B4-BE49-F238E27FC236}">
+                <a16:creationId xmlns:a16="http://schemas.microsoft.com/office/drawing/2014/main" id="{1E86D1F6-C636-C747-D61A-65007BE55062}"/>
+              </a:ext>
+            </a:extLst>
+          </p:cNvPr>
+          <p:cNvPicPr>
+            <a:picLocks noChangeAspect="1"/>
+          </p:cNvPicPr>
+          <p:nvPr/>
+        </p:nvPicPr>
+        <p:blipFill>
+          <a:blip r:embed="rId8"/>
+          <a:stretch>
+            <a:fillRect/>
+          </a:stretch>
+        </p:blipFill>
+        <p:spPr>
+          <a:xfrm>
+            <a:off x="552229" y="6076563"/>
+            <a:ext cx="4186187" cy="638185"/>
+          </a:xfrm>
+          <a:prstGeom prst="roundRect">
+            <a:avLst>
+              <a:gd name="adj" fmla="val 8594"/>
+            </a:avLst>
+          </a:prstGeom>
+          <a:solidFill>
+            <a:srgbClr val="FFFFFF">
+              <a:shade val="85000"/>
+            </a:srgbClr>
+          </a:solidFill>
+          <a:ln>
+            <a:noFill/>
+          </a:ln>
+          <a:effectLst>
+            <a:reflection blurRad="12700" stA="38000" endPos="28000" dist="5000" dir="5400000" sy="-100000" algn="bl" rotWithShape="0"/>
+          </a:effectLst>
+        </p:spPr>
+      </p:pic>
+      <p:cxnSp>
+        <p:nvCxnSpPr>
+          <p:cNvPr id="12" name="Прямая со стрелкой 11">
+            <a:extLst>
+              <a:ext uri="{FF2B5EF4-FFF2-40B4-BE49-F238E27FC236}">
+                <a16:creationId xmlns:a16="http://schemas.microsoft.com/office/drawing/2014/main" id="{FB416EAA-47BE-C698-A5CA-318267669688}"/>
+              </a:ext>
+            </a:extLst>
+          </p:cNvPr>
+          <p:cNvCxnSpPr>
+            <a:stCxn id="13" idx="1"/>
+          </p:cNvCxnSpPr>
+          <p:nvPr/>
+        </p:nvCxnSpPr>
+        <p:spPr>
+          <a:xfrm flipH="1">
+            <a:off x="4738416" y="6534653"/>
+            <a:ext cx="895579" cy="0"/>
+          </a:xfrm>
+          <a:prstGeom prst="straightConnector1">
+            <a:avLst/>
+          </a:prstGeom>
+          <a:ln>
+            <a:tailEnd type="triangle"/>
+          </a:ln>
         </p:spPr>
         <p:style>
           <a:lnRef idx="2">
